--- a/FinalReport/Slides.pptx
+++ b/FinalReport/Slides.pptx
@@ -7832,7 +7832,26 @@
                   </a:extLst>
                 </a:hlinkClick>
               </a:rPr>
-              <a:t>Detailed Report</a:t>
+              <a:t>Detailed </a:t>
+            </a:r>
+            <a:r>
+              <a:rPr b="1" i="1" lang="en" sz="1600" u="sng">
+                <a:solidFill>
+                  <a:schemeClr val="dk1"/>
+                </a:solidFill>
+                <a:latin typeface="Cambria"/>
+                <a:ea typeface="Cambria"/>
+                <a:cs typeface="Cambria"/>
+                <a:sym typeface="Cambria"/>
+                <a:hlinkClick r:id="rId5">
+                  <a:extLst>
+                    <a:ext uri="{A12FA001-AC4F-418D-AE19-62706E023703}">
+                      <ahyp:hlinkClr val="tx"/>
+                    </a:ext>
+                  </a:extLst>
+                </a:hlinkClick>
+              </a:rPr>
+              <a:t>Report</a:t>
             </a:r>
             <a:endParaRPr b="1" i="1" sz="1600" u="sng">
               <a:solidFill>
@@ -11509,7 +11528,7 @@
             <a:tbl>
               <a:tblPr>
                 <a:noFill/>
-                <a:tableStyleId>{74460169-08FB-4BB3-90A6-C9B3C1992356}</a:tableStyleId>
+                <a:tableStyleId>{92AAE69B-2D18-4724-AA02-0A86062C0440}</a:tableStyleId>
               </a:tblPr>
               <a:tblGrid>
                 <a:gridCol w="3619500"/>
